--- a/Nhóm 15  8A.pptx
+++ b/Nhóm 15  8A.pptx
@@ -113,6 +113,11 @@
       </a:defRPr>
     </a:lvl9pPr>
   </p:defaultTextStyle>
+  <p:extLst>
+    <p:ext uri="{EFAFB233-063F-42B5-8137-9DF3F51BA10A}">
+      <p15:sldGuideLst xmlns:p15="http://schemas.microsoft.com/office/powerpoint/2012/main"/>
+    </p:ext>
+  </p:extLst>
 </p:presentation>
 </file>
 
@@ -7933,7 +7938,7 @@
           <a:p>
             <a:r>
               <a:rPr lang="en-US" b="1" i="1" dirty="0"/>
-              <a:t>10 </a:t>
+              <a:t>9 </a:t>
             </a:r>
             <a:r>
               <a:rPr lang="en-US" b="1" i="1" dirty="0" err="1"/>
@@ -8579,7 +8584,7 @@
             </a:pPr>
             <a:r>
               <a:rPr lang="en-US" b="1" i="1" dirty="0"/>
-              <a:t>4 </a:t>
+              <a:t>3 </a:t>
             </a:r>
             <a:r>
               <a:rPr lang="en-US" b="1" i="1" dirty="0" err="1"/>
@@ -8998,10 +9003,19 @@
                 <a:solidFill>
                   <a:schemeClr val="tx1"/>
                 </a:solidFill>
+                <a:latin typeface="ui-sans-serif"/>
+              </a:rPr>
+              <a:t>4</a:t>
+            </a:r>
+            <a:r>
+              <a:rPr lang="en-US" b="1" i="1" dirty="0">
+                <a:solidFill>
+                  <a:schemeClr val="tx1"/>
+                </a:solidFill>
                 <a:effectLst/>
                 <a:latin typeface="ui-sans-serif"/>
               </a:rPr>
-              <a:t>5 </a:t>
+              <a:t> </a:t>
             </a:r>
             <a:r>
               <a:rPr lang="vi-VN" b="1" i="1" dirty="0">
@@ -9162,7 +9176,7 @@
           <a:p>
             <a:r>
               <a:rPr lang="en-US" b="1" i="1" dirty="0"/>
-              <a:t>6 </a:t>
+              <a:t>5 </a:t>
             </a:r>
             <a:r>
               <a:rPr lang="vi-VN" b="1" i="1" dirty="0"/>
@@ -9282,7 +9296,7 @@
           <a:p>
             <a:r>
               <a:rPr lang="en-US" b="1" i="1" dirty="0"/>
-              <a:t>7 </a:t>
+              <a:t>6 </a:t>
             </a:r>
             <a:r>
               <a:rPr lang="vi-VN" b="1" i="1" dirty="0"/>
@@ -9448,7 +9462,7 @@
           <a:p>
             <a:r>
               <a:rPr lang="en-US" b="1" i="1" dirty="0"/>
-              <a:t>8 </a:t>
+              <a:t>7 </a:t>
             </a:r>
             <a:r>
               <a:rPr lang="vi-VN" b="1" i="1" dirty="0"/>
@@ -9612,7 +9626,7 @@
           <a:p>
             <a:r>
               <a:rPr lang="en-US" b="1" i="1" dirty="0"/>
-              <a:t>9 </a:t>
+              <a:t>8 </a:t>
             </a:r>
             <a:r>
               <a:rPr lang="en-US" b="1" i="1" dirty="0" err="1"/>
